--- a/fall2016/lectures/10-IsolationSandboxing.pptx
+++ b/fall2016/lectures/10-IsolationSandboxing.pptx
@@ -5976,6 +5976,13 @@
   <p:clrMapOvr>
     <a:masterClrMapping/>
   </p:clrMapOvr>
+  <p:timing>
+    <p:tnLst>
+      <p:par>
+        <p:cTn xmlns:p14="http://schemas.microsoft.com/office/powerpoint/2010/main" id="1" dur="indefinite" restart="never" nodeType="tmRoot"/>
+      </p:par>
+    </p:tnLst>
+  </p:timing>
 </p:sld>
 </file>
 
@@ -6399,6 +6406,13 @@
   <p:clrMapOvr>
     <a:masterClrMapping/>
   </p:clrMapOvr>
+  <p:timing>
+    <p:tnLst>
+      <p:par>
+        <p:cTn xmlns:p14="http://schemas.microsoft.com/office/powerpoint/2010/main" id="1" dur="indefinite" restart="never" nodeType="tmRoot"/>
+      </p:par>
+    </p:tnLst>
+  </p:timing>
 </p:sld>
 </file>
 
@@ -6674,6 +6688,13 @@
   <p:clrMapOvr>
     <a:masterClrMapping/>
   </p:clrMapOvr>
+  <p:timing>
+    <p:tnLst>
+      <p:par>
+        <p:cTn xmlns:p14="http://schemas.microsoft.com/office/powerpoint/2010/main" id="1" dur="indefinite" restart="never" nodeType="tmRoot"/>
+      </p:par>
+    </p:tnLst>
+  </p:timing>
 </p:sld>
 </file>
 
@@ -6875,6 +6896,13 @@
   <p:clrMapOvr>
     <a:masterClrMapping/>
   </p:clrMapOvr>
+  <p:timing>
+    <p:tnLst>
+      <p:par>
+        <p:cTn xmlns:p14="http://schemas.microsoft.com/office/powerpoint/2010/main" id="1" dur="indefinite" restart="never" nodeType="tmRoot"/>
+      </p:par>
+    </p:tnLst>
+  </p:timing>
 </p:sld>
 </file>
 
@@ -7170,6 +7198,13 @@
   <p:clrMapOvr>
     <a:masterClrMapping/>
   </p:clrMapOvr>
+  <p:timing>
+    <p:tnLst>
+      <p:par>
+        <p:cTn xmlns:p14="http://schemas.microsoft.com/office/powerpoint/2010/main" id="1" dur="indefinite" restart="never" nodeType="tmRoot"/>
+      </p:par>
+    </p:tnLst>
+  </p:timing>
 </p:sld>
 </file>
 
@@ -9781,6 +9816,13 @@
   <p:clrMapOvr>
     <a:masterClrMapping/>
   </p:clrMapOvr>
+  <p:timing>
+    <p:tnLst>
+      <p:par>
+        <p:cTn xmlns:p14="http://schemas.microsoft.com/office/powerpoint/2010/main" id="1" dur="indefinite" restart="never" nodeType="tmRoot"/>
+      </p:par>
+    </p:tnLst>
+  </p:timing>
 </p:sld>
 </file>
 
@@ -10446,6 +10488,13 @@
   <p:clrMapOvr>
     <a:masterClrMapping/>
   </p:clrMapOvr>
+  <p:timing>
+    <p:tnLst>
+      <p:par>
+        <p:cTn xmlns:p14="http://schemas.microsoft.com/office/powerpoint/2010/main" id="1" dur="indefinite" restart="never" nodeType="tmRoot"/>
+      </p:par>
+    </p:tnLst>
+  </p:timing>
 </p:sld>
 </file>
 
@@ -15982,6 +16031,13 @@
   <p:clrMapOvr>
     <a:masterClrMapping/>
   </p:clrMapOvr>
+  <p:timing>
+    <p:tnLst>
+      <p:par>
+        <p:cTn xmlns:p14="http://schemas.microsoft.com/office/powerpoint/2010/main" id="1" dur="indefinite" restart="never" nodeType="tmRoot"/>
+      </p:par>
+    </p:tnLst>
+  </p:timing>
 </p:sld>
 </file>
 
@@ -20713,6 +20769,13 @@
   <p:clrMapOvr>
     <a:masterClrMapping/>
   </p:clrMapOvr>
+  <p:timing>
+    <p:tnLst>
+      <p:par>
+        <p:cTn xmlns:p14="http://schemas.microsoft.com/office/powerpoint/2010/main" id="1" dur="indefinite" restart="never" nodeType="tmRoot"/>
+      </p:par>
+    </p:tnLst>
+  </p:timing>
 </p:sld>
 </file>
 
@@ -20826,6 +20889,13 @@
   <p:clrMapOvr>
     <a:masterClrMapping/>
   </p:clrMapOvr>
+  <p:timing>
+    <p:tnLst>
+      <p:par>
+        <p:cTn xmlns:p14="http://schemas.microsoft.com/office/powerpoint/2010/main" id="1" dur="indefinite" restart="never" nodeType="tmRoot"/>
+      </p:par>
+    </p:tnLst>
+  </p:timing>
 </p:sld>
 </file>
 
@@ -22834,6 +22904,13 @@
   <p:clrMapOvr>
     <a:masterClrMapping/>
   </p:clrMapOvr>
+  <p:timing>
+    <p:tnLst>
+      <p:par>
+        <p:cTn xmlns:p14="http://schemas.microsoft.com/office/powerpoint/2010/main" id="1" dur="indefinite" restart="never" nodeType="tmRoot"/>
+      </p:par>
+    </p:tnLst>
+  </p:timing>
 </p:sld>
 </file>
 
@@ -23769,6 +23846,13 @@
   <p:clrMapOvr>
     <a:masterClrMapping/>
   </p:clrMapOvr>
+  <p:timing>
+    <p:tnLst>
+      <p:par>
+        <p:cTn xmlns:p14="http://schemas.microsoft.com/office/powerpoint/2010/main" id="1" dur="indefinite" restart="never" nodeType="tmRoot"/>
+      </p:par>
+    </p:tnLst>
+  </p:timing>
 </p:sld>
 </file>
 
@@ -24681,6 +24765,13 @@
   <p:clrMapOvr>
     <a:masterClrMapping/>
   </p:clrMapOvr>
+  <p:timing>
+    <p:tnLst>
+      <p:par>
+        <p:cTn xmlns:p14="http://schemas.microsoft.com/office/powerpoint/2010/main" id="1" dur="indefinite" restart="never" nodeType="tmRoot"/>
+      </p:par>
+    </p:tnLst>
+  </p:timing>
 </p:sld>
 </file>
 
@@ -24785,6 +24876,13 @@
   <p:clrMapOvr>
     <a:masterClrMapping/>
   </p:clrMapOvr>
+  <p:timing>
+    <p:tnLst>
+      <p:par>
+        <p:cTn xmlns:p14="http://schemas.microsoft.com/office/powerpoint/2010/main" id="1" dur="indefinite" restart="never" nodeType="tmRoot"/>
+      </p:par>
+    </p:tnLst>
+  </p:timing>
 </p:sld>
 </file>
 
@@ -25144,6 +25242,13 @@
   <p:clrMapOvr>
     <a:masterClrMapping/>
   </p:clrMapOvr>
+  <p:timing>
+    <p:tnLst>
+      <p:par>
+        <p:cTn xmlns:p14="http://schemas.microsoft.com/office/powerpoint/2010/main" id="1" dur="indefinite" restart="never" nodeType="tmRoot"/>
+      </p:par>
+    </p:tnLst>
+  </p:timing>
 </p:sld>
 </file>
 
@@ -25290,6 +25395,13 @@
   <p:clrMapOvr>
     <a:masterClrMapping/>
   </p:clrMapOvr>
+  <p:timing>
+    <p:tnLst>
+      <p:par>
+        <p:cTn xmlns:p14="http://schemas.microsoft.com/office/powerpoint/2010/main" id="1" dur="indefinite" restart="never" nodeType="tmRoot"/>
+      </p:par>
+    </p:tnLst>
+  </p:timing>
 </p:sld>
 </file>
 
@@ -25421,6 +25533,13 @@
   <p:clrMapOvr>
     <a:masterClrMapping/>
   </p:clrMapOvr>
+  <p:timing>
+    <p:tnLst>
+      <p:par>
+        <p:cTn xmlns:p14="http://schemas.microsoft.com/office/powerpoint/2010/main" id="1" dur="indefinite" restart="never" nodeType="tmRoot"/>
+      </p:par>
+    </p:tnLst>
+  </p:timing>
 </p:sld>
 </file>
 
@@ -25601,6 +25720,13 @@
   <p:clrMapOvr>
     <a:masterClrMapping/>
   </p:clrMapOvr>
+  <p:timing>
+    <p:tnLst>
+      <p:par>
+        <p:cTn xmlns:p14="http://schemas.microsoft.com/office/powerpoint/2010/main" id="1" dur="indefinite" restart="never" nodeType="tmRoot"/>
+      </p:par>
+    </p:tnLst>
+  </p:timing>
 </p:sld>
 </file>
 
